--- a/presentation.pptx
+++ b/presentation.pptx
@@ -3014,7 +3014,9 @@
           </a:xfrm>
         </p:spPr>
         <p:txBody>
-          <a:bodyPr/>
+          <a:bodyPr>
+            <a:normAutofit fontScale="92500" lnSpcReduction="10000"/>
+          </a:bodyPr>
           <a:lstStyle/>
           <a:p>
             <a:r>
@@ -3042,8 +3044,30 @@
             <a:pPr algn="r"/>
             <a:r>
               <a:rPr lang="pt-BR" dirty="0"/>
-              <a:t>Valdir Junior (valdir.a.junior@gmail.com)</a:t>
-            </a:r>
+              <a:t>Valdir Junior (</a:t>
+            </a:r>
+            <a:r>
+              <a:rPr lang="pt-BR" dirty="0">
+                <a:hlinkClick r:id="rId2"/>
+              </a:rPr>
+              <a:t>valdir.a.junior@gmail.com</a:t>
+            </a:r>
+            <a:r>
+              <a:rPr lang="pt-BR" dirty="0"/>
+              <a:t>)</a:t>
+            </a:r>
+          </a:p>
+          <a:p>
+            <a:pPr algn="r"/>
+            <a:r>
+              <a:rPr lang="pt-BR" dirty="0"/>
+              <a:t>github.com/</a:t>
+            </a:r>
+            <a:r>
+              <a:rPr lang="pt-BR" dirty="0" err="1"/>
+              <a:t>ValdirJunior</a:t>
+            </a:r>
+            <a:endParaRPr lang="pt-BR" dirty="0"/>
           </a:p>
           <a:p>
             <a:pPr algn="r"/>
@@ -3447,10 +3471,9 @@
               <a:t>pocexample</a:t>
             </a:r>
             <a:r>
-              <a:rPr lang="pt-BR"/>
+              <a:rPr lang="pt-BR" dirty="0"/>
               <a:t> . </a:t>
             </a:r>
-            <a:endParaRPr lang="pt-BR" dirty="0"/>
           </a:p>
         </p:txBody>
       </p:sp>
@@ -4241,6 +4264,35 @@
               <a:rPr lang="pt-BR" dirty="0"/>
               <a:t>Linux!</a:t>
             </a:r>
+          </a:p>
+          <a:p>
+            <a:endParaRPr lang="pt-BR" dirty="0"/>
+          </a:p>
+          <a:p>
+            <a:endParaRPr lang="pt-BR" dirty="0"/>
+          </a:p>
+          <a:p>
+            <a:pPr marL="0" indent="0">
+              <a:buNone/>
+            </a:pPr>
+            <a:r>
+              <a:rPr lang="pt-BR" dirty="0"/>
+              <a:t>github.com/</a:t>
+            </a:r>
+            <a:r>
+              <a:rPr lang="pt-BR" dirty="0" err="1"/>
+              <a:t>ValdirJunior</a:t>
+            </a:r>
+            <a:r>
+              <a:rPr lang="pt-BR" dirty="0"/>
+              <a:t>/hellodjango/</a:t>
+            </a:r>
+          </a:p>
+          <a:p>
+            <a:pPr marL="0" indent="0">
+              <a:buNone/>
+            </a:pPr>
+            <a:endParaRPr lang="pt-BR" dirty="0"/>
           </a:p>
         </p:txBody>
       </p:sp>

--- a/presentation.pptx
+++ b/presentation.pptx
@@ -17,6 +17,7 @@
     <p:sldId id="265" r:id="rId11"/>
     <p:sldId id="266" r:id="rId12"/>
     <p:sldId id="267" r:id="rId13"/>
+    <p:sldId id="268" r:id="rId14"/>
   </p:sldIdLst>
   <p:sldSz cx="12192000" cy="6858000"/>
   <p:notesSz cx="6858000" cy="9144000"/>
@@ -115,6 +116,11 @@
       </a:defRPr>
     </a:lvl9pPr>
   </p:defaultTextStyle>
+  <p:extLst>
+    <p:ext uri="{EFAFB233-063F-42B5-8137-9DF3F51BA10A}">
+      <p15:sldGuideLst xmlns:p15="http://schemas.microsoft.com/office/powerpoint/2012/main"/>
+    </p:ext>
+  </p:extLst>
 </p:presentation>
 </file>
 
@@ -247,7 +253,7 @@
           <a:p>
             <a:fld id="{34187A98-0F9A-4B65-A359-5817A49B5696}" type="datetimeFigureOut">
               <a:rPr lang="pt-BR" smtClean="0"/>
-              <a:t>01/06/2017</a:t>
+              <a:t>02/06/2017</a:t>
             </a:fld>
             <a:endParaRPr lang="pt-BR"/>
           </a:p>
@@ -415,7 +421,7 @@
           <a:p>
             <a:fld id="{34187A98-0F9A-4B65-A359-5817A49B5696}" type="datetimeFigureOut">
               <a:rPr lang="pt-BR" smtClean="0"/>
-              <a:t>01/06/2017</a:t>
+              <a:t>02/06/2017</a:t>
             </a:fld>
             <a:endParaRPr lang="pt-BR"/>
           </a:p>
@@ -593,7 +599,7 @@
           <a:p>
             <a:fld id="{34187A98-0F9A-4B65-A359-5817A49B5696}" type="datetimeFigureOut">
               <a:rPr lang="pt-BR" smtClean="0"/>
-              <a:t>01/06/2017</a:t>
+              <a:t>02/06/2017</a:t>
             </a:fld>
             <a:endParaRPr lang="pt-BR"/>
           </a:p>
@@ -761,7 +767,7 @@
           <a:p>
             <a:fld id="{34187A98-0F9A-4B65-A359-5817A49B5696}" type="datetimeFigureOut">
               <a:rPr lang="pt-BR" smtClean="0"/>
-              <a:t>01/06/2017</a:t>
+              <a:t>02/06/2017</a:t>
             </a:fld>
             <a:endParaRPr lang="pt-BR"/>
           </a:p>
@@ -1006,7 +1012,7 @@
           <a:p>
             <a:fld id="{34187A98-0F9A-4B65-A359-5817A49B5696}" type="datetimeFigureOut">
               <a:rPr lang="pt-BR" smtClean="0"/>
-              <a:t>01/06/2017</a:t>
+              <a:t>02/06/2017</a:t>
             </a:fld>
             <a:endParaRPr lang="pt-BR"/>
           </a:p>
@@ -1235,7 +1241,7 @@
           <a:p>
             <a:fld id="{34187A98-0F9A-4B65-A359-5817A49B5696}" type="datetimeFigureOut">
               <a:rPr lang="pt-BR" smtClean="0"/>
-              <a:t>01/06/2017</a:t>
+              <a:t>02/06/2017</a:t>
             </a:fld>
             <a:endParaRPr lang="pt-BR"/>
           </a:p>
@@ -1599,7 +1605,7 @@
           <a:p>
             <a:fld id="{34187A98-0F9A-4B65-A359-5817A49B5696}" type="datetimeFigureOut">
               <a:rPr lang="pt-BR" smtClean="0"/>
-              <a:t>01/06/2017</a:t>
+              <a:t>02/06/2017</a:t>
             </a:fld>
             <a:endParaRPr lang="pt-BR"/>
           </a:p>
@@ -1716,7 +1722,7 @@
           <a:p>
             <a:fld id="{34187A98-0F9A-4B65-A359-5817A49B5696}" type="datetimeFigureOut">
               <a:rPr lang="pt-BR" smtClean="0"/>
-              <a:t>01/06/2017</a:t>
+              <a:t>02/06/2017</a:t>
             </a:fld>
             <a:endParaRPr lang="pt-BR"/>
           </a:p>
@@ -1811,7 +1817,7 @@
           <a:p>
             <a:fld id="{34187A98-0F9A-4B65-A359-5817A49B5696}" type="datetimeFigureOut">
               <a:rPr lang="pt-BR" smtClean="0"/>
-              <a:t>01/06/2017</a:t>
+              <a:t>02/06/2017</a:t>
             </a:fld>
             <a:endParaRPr lang="pt-BR"/>
           </a:p>
@@ -2086,7 +2092,7 @@
           <a:p>
             <a:fld id="{34187A98-0F9A-4B65-A359-5817A49B5696}" type="datetimeFigureOut">
               <a:rPr lang="pt-BR" smtClean="0"/>
-              <a:t>01/06/2017</a:t>
+              <a:t>02/06/2017</a:t>
             </a:fld>
             <a:endParaRPr lang="pt-BR"/>
           </a:p>
@@ -2338,7 +2344,7 @@
           <a:p>
             <a:fld id="{34187A98-0F9A-4B65-A359-5817A49B5696}" type="datetimeFigureOut">
               <a:rPr lang="pt-BR" smtClean="0"/>
-              <a:t>01/06/2017</a:t>
+              <a:t>02/06/2017</a:t>
             </a:fld>
             <a:endParaRPr lang="pt-BR"/>
           </a:p>
@@ -2549,7 +2555,7 @@
           <a:p>
             <a:fld id="{34187A98-0F9A-4B65-A359-5817A49B5696}" type="datetimeFigureOut">
               <a:rPr lang="pt-BR" smtClean="0"/>
-              <a:t>01/06/2017</a:t>
+              <a:t>02/06/2017</a:t>
             </a:fld>
             <a:endParaRPr lang="pt-BR"/>
           </a:p>
@@ -3061,12 +3067,29 @@
             <a:pPr algn="r"/>
             <a:r>
               <a:rPr lang="pt-BR" dirty="0"/>
-              <a:t>github.com/</a:t>
+              <a:t>Fernanda </a:t>
             </a:r>
             <a:r>
               <a:rPr lang="pt-BR" dirty="0" err="1"/>
-              <a:t>ValdirJunior</a:t>
-            </a:r>
+              <a:t>Mayumi</a:t>
+            </a:r>
+            <a:r>
+              <a:rPr lang="pt-BR" dirty="0"/>
+              <a:t> (</a:t>
+            </a:r>
+            <a:r>
+              <a:rPr lang="pt-BR" dirty="0">
+                <a:hlinkClick r:id="rId3"/>
+              </a:rPr>
+              <a:t>mahhrsriot@gmail.com</a:t>
+            </a:r>
+            <a:r>
+              <a:rPr lang="pt-BR" dirty="0"/>
+              <a:t>)</a:t>
+            </a:r>
+          </a:p>
+          <a:p>
+            <a:pPr algn="r"/>
             <a:endParaRPr lang="pt-BR" dirty="0"/>
           </a:p>
           <a:p>
@@ -3475,12 +3498,254 @@
               <a:t> . </a:t>
             </a:r>
           </a:p>
+          <a:p>
+            <a:pPr marL="0" indent="0">
+              <a:buNone/>
+            </a:pPr>
+            <a:endParaRPr lang="pt-BR" dirty="0"/>
+          </a:p>
+          <a:p>
+            <a:pPr marL="0" indent="0">
+              <a:buNone/>
+            </a:pPr>
+            <a:r>
+              <a:rPr lang="pt-BR" dirty="0">
+                <a:hlinkClick r:id="rId2"/>
+              </a:rPr>
+              <a:t>http://localhost:8000</a:t>
+            </a:r>
+            <a:endParaRPr lang="pt-BR" dirty="0"/>
+          </a:p>
+          <a:p>
+            <a:pPr marL="0" indent="0">
+              <a:buNone/>
+            </a:pPr>
+            <a:endParaRPr lang="pt-BR" dirty="0"/>
+          </a:p>
+          <a:p>
+            <a:pPr marL="0" indent="0">
+              <a:buNone/>
+            </a:pPr>
+            <a:r>
+              <a:rPr lang="pt-BR" dirty="0" err="1"/>
+              <a:t>docker</a:t>
+            </a:r>
+            <a:r>
+              <a:rPr lang="pt-BR" dirty="0"/>
+              <a:t> </a:t>
+            </a:r>
+            <a:r>
+              <a:rPr lang="pt-BR" dirty="0" err="1"/>
+              <a:t>ps</a:t>
+            </a:r>
+            <a:endParaRPr lang="pt-BR" dirty="0"/>
+          </a:p>
+          <a:p>
+            <a:pPr marL="0" indent="0">
+              <a:buNone/>
+            </a:pPr>
+            <a:endParaRPr lang="pt-BR" dirty="0"/>
+          </a:p>
+          <a:p>
+            <a:pPr marL="0" indent="0">
+              <a:buNone/>
+            </a:pPr>
+            <a:r>
+              <a:rPr lang="pt-BR" dirty="0" err="1"/>
+              <a:t>docker</a:t>
+            </a:r>
+            <a:r>
+              <a:rPr lang="pt-BR" dirty="0"/>
+              <a:t> </a:t>
+            </a:r>
+            <a:r>
+              <a:rPr lang="pt-BR" dirty="0" err="1"/>
+              <a:t>run</a:t>
+            </a:r>
+            <a:r>
+              <a:rPr lang="pt-BR" dirty="0"/>
+              <a:t> -i -t &lt;IMAGE&gt; /bin/</a:t>
+            </a:r>
+            <a:r>
+              <a:rPr lang="pt-BR" dirty="0" err="1"/>
+              <a:t>bash</a:t>
+            </a:r>
+            <a:endParaRPr lang="pt-BR" dirty="0"/>
+          </a:p>
         </p:txBody>
       </p:sp>
     </p:spTree>
     <p:extLst>
       <p:ext uri="{BB962C8B-B14F-4D97-AF65-F5344CB8AC3E}">
         <p14:creationId xmlns:p14="http://schemas.microsoft.com/office/powerpoint/2010/main" val="23391891"/>
+      </p:ext>
+    </p:extLst>
+  </p:cSld>
+  <p:clrMapOvr>
+    <a:masterClrMapping/>
+  </p:clrMapOvr>
+</p:sld>
+</file>
+
+<file path=ppt/slides/slide13.xml><?xml version="1.0" encoding="utf-8"?>
+<p:sld xmlns:a="http://schemas.openxmlformats.org/drawingml/2006/main" xmlns:r="http://schemas.openxmlformats.org/officeDocument/2006/relationships" xmlns:p="http://schemas.openxmlformats.org/presentationml/2006/main">
+  <p:cSld>
+    <p:spTree>
+      <p:nvGrpSpPr>
+        <p:cNvPr id="1" name=""/>
+        <p:cNvGrpSpPr/>
+        <p:nvPr/>
+      </p:nvGrpSpPr>
+      <p:grpSpPr>
+        <a:xfrm>
+          <a:off x="0" y="0"/>
+          <a:ext cx="0" cy="0"/>
+          <a:chOff x="0" y="0"/>
+          <a:chExt cx="0" cy="0"/>
+        </a:xfrm>
+      </p:grpSpPr>
+      <p:sp>
+        <p:nvSpPr>
+          <p:cNvPr id="2" name="Título 1"/>
+          <p:cNvSpPr>
+            <a:spLocks noGrp="1"/>
+          </p:cNvSpPr>
+          <p:nvPr>
+            <p:ph type="ctrTitle"/>
+          </p:nvPr>
+        </p:nvSpPr>
+        <p:spPr/>
+        <p:txBody>
+          <a:bodyPr/>
+          <a:lstStyle/>
+          <a:p>
+            <a:r>
+              <a:rPr lang="pt-BR" dirty="0"/>
+              <a:t>Docker </a:t>
+            </a:r>
+            <a:r>
+              <a:rPr lang="pt-BR" dirty="0" err="1"/>
+              <a:t>Proof</a:t>
+            </a:r>
+            <a:r>
+              <a:rPr lang="pt-BR" dirty="0"/>
+              <a:t> </a:t>
+            </a:r>
+            <a:r>
+              <a:rPr lang="pt-BR" dirty="0" err="1"/>
+              <a:t>of</a:t>
+            </a:r>
+            <a:r>
+              <a:rPr lang="pt-BR" dirty="0"/>
+              <a:t> </a:t>
+            </a:r>
+            <a:r>
+              <a:rPr lang="pt-BR" dirty="0" err="1"/>
+              <a:t>Concept</a:t>
+            </a:r>
+            <a:endParaRPr lang="pt-BR" dirty="0"/>
+          </a:p>
+        </p:txBody>
+      </p:sp>
+      <p:sp>
+        <p:nvSpPr>
+          <p:cNvPr id="3" name="Subtítulo 2"/>
+          <p:cNvSpPr>
+            <a:spLocks noGrp="1"/>
+          </p:cNvSpPr>
+          <p:nvPr>
+            <p:ph type="subTitle" idx="1"/>
+          </p:nvPr>
+        </p:nvSpPr>
+        <p:spPr>
+          <a:xfrm>
+            <a:off x="1524000" y="3602038"/>
+            <a:ext cx="9144000" cy="2812014"/>
+          </a:xfrm>
+        </p:spPr>
+        <p:txBody>
+          <a:bodyPr>
+            <a:normAutofit fontScale="92500" lnSpcReduction="10000"/>
+          </a:bodyPr>
+          <a:lstStyle/>
+          <a:p>
+            <a:r>
+              <a:rPr lang="pt-BR" dirty="0"/>
+              <a:t>Tópicos Especiais I – Bacharelado em Ciência da Computação 2017</a:t>
+            </a:r>
+          </a:p>
+          <a:p>
+            <a:r>
+              <a:rPr lang="pt-BR" dirty="0"/>
+              <a:t>Centro Universitário Eurípides de Marília</a:t>
+            </a:r>
+          </a:p>
+          <a:p>
+            <a:endParaRPr lang="pt-BR" dirty="0"/>
+          </a:p>
+          <a:p>
+            <a:endParaRPr lang="pt-BR" dirty="0"/>
+          </a:p>
+          <a:p>
+            <a:pPr algn="r"/>
+            <a:endParaRPr lang="pt-BR" dirty="0"/>
+          </a:p>
+          <a:p>
+            <a:pPr algn="r"/>
+            <a:r>
+              <a:rPr lang="pt-BR" dirty="0"/>
+              <a:t>Valdir Junior (</a:t>
+            </a:r>
+            <a:r>
+              <a:rPr lang="pt-BR" dirty="0">
+                <a:hlinkClick r:id="rId2"/>
+              </a:rPr>
+              <a:t>valdir.a.junior@gmail.com</a:t>
+            </a:r>
+            <a:r>
+              <a:rPr lang="pt-BR" dirty="0"/>
+              <a:t>)</a:t>
+            </a:r>
+          </a:p>
+          <a:p>
+            <a:pPr algn="r"/>
+            <a:r>
+              <a:rPr lang="pt-BR" dirty="0"/>
+              <a:t>Fernanda </a:t>
+            </a:r>
+            <a:r>
+              <a:rPr lang="pt-BR" dirty="0" err="1"/>
+              <a:t>Mayumi</a:t>
+            </a:r>
+            <a:r>
+              <a:rPr lang="pt-BR" dirty="0"/>
+              <a:t> (</a:t>
+            </a:r>
+            <a:r>
+              <a:rPr lang="pt-BR" dirty="0">
+                <a:hlinkClick r:id="rId3"/>
+              </a:rPr>
+              <a:t>mahhrsriot@gmail.com</a:t>
+            </a:r>
+            <a:r>
+              <a:rPr lang="pt-BR" dirty="0"/>
+              <a:t>)</a:t>
+            </a:r>
+          </a:p>
+          <a:p>
+            <a:pPr algn="r"/>
+            <a:endParaRPr lang="pt-BR" dirty="0"/>
+          </a:p>
+          <a:p>
+            <a:pPr algn="r"/>
+            <a:endParaRPr lang="pt-BR" dirty="0"/>
+          </a:p>
+        </p:txBody>
+      </p:sp>
+    </p:spTree>
+    <p:extLst>
+      <p:ext uri="{BB962C8B-B14F-4D97-AF65-F5344CB8AC3E}">
+        <p14:creationId xmlns:p14="http://schemas.microsoft.com/office/powerpoint/2010/main" val="1609794460"/>
       </p:ext>
     </p:extLst>
   </p:cSld>
